--- a/09/09_java_intro.pptx
+++ b/09/09_java_intro.pptx
@@ -8,7 +8,8 @@
     <p:sldId id="256" r:id="rId2"/>
     <p:sldId id="263" r:id="rId3"/>
     <p:sldId id="264" r:id="rId4"/>
-    <p:sldId id="261" r:id="rId5"/>
+    <p:sldId id="265" r:id="rId5"/>
+    <p:sldId id="261" r:id="rId6"/>
   </p:sldIdLst>
   <p:sldSz cx="9144000" cy="6858000" type="screen4x3"/>
   <p:notesSz cx="6858000" cy="9144000"/>
@@ -292,7 +293,7 @@
             <a:fld id="{C3CF27EA-1729-4A5D-9AD5-CB5E490EDF76}" type="datetimeFigureOut">
               <a:rPr lang="sk-SK" smtClean="0"/>
               <a:pPr/>
-              <a:t>1. 5. 2018</a:t>
+              <a:t>2. 5. 2018</a:t>
             </a:fld>
             <a:endParaRPr lang="sk-SK"/>
           </a:p>
@@ -459,7 +460,7 @@
             <a:fld id="{C3CF27EA-1729-4A5D-9AD5-CB5E490EDF76}" type="datetimeFigureOut">
               <a:rPr lang="sk-SK" smtClean="0"/>
               <a:pPr/>
-              <a:t>1. 5. 2018</a:t>
+              <a:t>2. 5. 2018</a:t>
             </a:fld>
             <a:endParaRPr lang="sk-SK"/>
           </a:p>
@@ -636,7 +637,7 @@
             <a:fld id="{C3CF27EA-1729-4A5D-9AD5-CB5E490EDF76}" type="datetimeFigureOut">
               <a:rPr lang="sk-SK" smtClean="0"/>
               <a:pPr/>
-              <a:t>1. 5. 2018</a:t>
+              <a:t>2. 5. 2018</a:t>
             </a:fld>
             <a:endParaRPr lang="sk-SK"/>
           </a:p>
@@ -803,7 +804,7 @@
             <a:fld id="{C3CF27EA-1729-4A5D-9AD5-CB5E490EDF76}" type="datetimeFigureOut">
               <a:rPr lang="sk-SK" smtClean="0"/>
               <a:pPr/>
-              <a:t>1. 5. 2018</a:t>
+              <a:t>2. 5. 2018</a:t>
             </a:fld>
             <a:endParaRPr lang="sk-SK"/>
           </a:p>
@@ -1046,7 +1047,7 @@
             <a:fld id="{C3CF27EA-1729-4A5D-9AD5-CB5E490EDF76}" type="datetimeFigureOut">
               <a:rPr lang="sk-SK" smtClean="0"/>
               <a:pPr/>
-              <a:t>1. 5. 2018</a:t>
+              <a:t>2. 5. 2018</a:t>
             </a:fld>
             <a:endParaRPr lang="sk-SK"/>
           </a:p>
@@ -1331,7 +1332,7 @@
             <a:fld id="{C3CF27EA-1729-4A5D-9AD5-CB5E490EDF76}" type="datetimeFigureOut">
               <a:rPr lang="sk-SK" smtClean="0"/>
               <a:pPr/>
-              <a:t>1. 5. 2018</a:t>
+              <a:t>2. 5. 2018</a:t>
             </a:fld>
             <a:endParaRPr lang="sk-SK"/>
           </a:p>
@@ -1750,7 +1751,7 @@
             <a:fld id="{C3CF27EA-1729-4A5D-9AD5-CB5E490EDF76}" type="datetimeFigureOut">
               <a:rPr lang="sk-SK" smtClean="0"/>
               <a:pPr/>
-              <a:t>1. 5. 2018</a:t>
+              <a:t>2. 5. 2018</a:t>
             </a:fld>
             <a:endParaRPr lang="sk-SK"/>
           </a:p>
@@ -1865,7 +1866,7 @@
             <a:fld id="{C3CF27EA-1729-4A5D-9AD5-CB5E490EDF76}" type="datetimeFigureOut">
               <a:rPr lang="sk-SK" smtClean="0"/>
               <a:pPr/>
-              <a:t>1. 5. 2018</a:t>
+              <a:t>2. 5. 2018</a:t>
             </a:fld>
             <a:endParaRPr lang="sk-SK"/>
           </a:p>
@@ -1957,7 +1958,7 @@
             <a:fld id="{C3CF27EA-1729-4A5D-9AD5-CB5E490EDF76}" type="datetimeFigureOut">
               <a:rPr lang="sk-SK" smtClean="0"/>
               <a:pPr/>
-              <a:t>1. 5. 2018</a:t>
+              <a:t>2. 5. 2018</a:t>
             </a:fld>
             <a:endParaRPr lang="sk-SK"/>
           </a:p>
@@ -2231,7 +2232,7 @@
             <a:fld id="{C3CF27EA-1729-4A5D-9AD5-CB5E490EDF76}" type="datetimeFigureOut">
               <a:rPr lang="sk-SK" smtClean="0"/>
               <a:pPr/>
-              <a:t>1. 5. 2018</a:t>
+              <a:t>2. 5. 2018</a:t>
             </a:fld>
             <a:endParaRPr lang="sk-SK"/>
           </a:p>
@@ -2481,7 +2482,7 @@
             <a:fld id="{C3CF27EA-1729-4A5D-9AD5-CB5E490EDF76}" type="datetimeFigureOut">
               <a:rPr lang="sk-SK" smtClean="0"/>
               <a:pPr/>
-              <a:t>1. 5. 2018</a:t>
+              <a:t>2. 5. 2018</a:t>
             </a:fld>
             <a:endParaRPr lang="sk-SK"/>
           </a:p>
@@ -2691,7 +2692,7 @@
             <a:fld id="{C3CF27EA-1729-4A5D-9AD5-CB5E490EDF76}" type="datetimeFigureOut">
               <a:rPr lang="sk-SK" smtClean="0"/>
               <a:pPr/>
-              <a:t>1. 5. 2018</a:t>
+              <a:t>2. 5. 2018</a:t>
             </a:fld>
             <a:endParaRPr lang="sk-SK"/>
           </a:p>
@@ -5446,11 +5447,7 @@
             </a:r>
             <a:r>
               <a:rPr lang="sk-SK" sz="2400" dirty="0" smtClean="0"/>
-              <a:t> </a:t>
-            </a:r>
-            <a:r>
-              <a:rPr lang="sk-SK" sz="2400" dirty="0" smtClean="0"/>
-              <a:t>ich odovzdávaním </a:t>
+              <a:t> ich odovzdávaním </a:t>
             </a:r>
             <a:r>
               <a:rPr lang="pl-PL" sz="2400" dirty="0" smtClean="0"/>
@@ -5513,11 +5510,7 @@
             </a:r>
             <a:r>
               <a:rPr lang="sk-SK" sz="2400" dirty="0" smtClean="0"/>
-              <a:t>po prednáške, </a:t>
-            </a:r>
-            <a:r>
-              <a:rPr lang="sk-SK" sz="2400" dirty="0" smtClean="0"/>
-              <a:t>11:</a:t>
+              <a:t>po prednáške, 11:</a:t>
             </a:r>
             <a:r>
               <a:rPr lang="en-US" sz="2400" dirty="0" smtClean="0"/>
@@ -5525,15 +5518,7 @@
             </a:r>
             <a:r>
               <a:rPr lang="sk-SK" sz="2400" dirty="0" smtClean="0"/>
-              <a:t>0 </a:t>
-            </a:r>
-            <a:r>
-              <a:rPr lang="sk-SK" sz="2400" dirty="0" smtClean="0"/>
-              <a:t>budú zverejnené </a:t>
-            </a:r>
-            <a:r>
-              <a:rPr lang="sk-SK" sz="2400" dirty="0" smtClean="0"/>
-              <a:t>projekty</a:t>
+              <a:t>0 budú zverejnené projekty</a:t>
             </a:r>
             <a:endParaRPr lang="en-US" sz="2400" dirty="0" smtClean="0"/>
           </a:p>
@@ -5573,7 +5558,6 @@
               <a:rPr lang="sk-SK" sz="2400" dirty="0" smtClean="0"/>
               <a:t>.</a:t>
             </a:r>
-            <a:endParaRPr lang="sk-SK" sz="2400" dirty="0" smtClean="0"/>
           </a:p>
           <a:p>
             <a:pPr>
@@ -5600,6 +5584,295 @@
 </file>
 
 <file path=ppt/slides/slide4.xml><?xml version="1.0" encoding="utf-8"?>
+<p:sld xmlns:a="http://schemas.openxmlformats.org/drawingml/2006/main" xmlns:r="http://schemas.openxmlformats.org/officeDocument/2006/relationships" xmlns:p="http://schemas.openxmlformats.org/presentationml/2006/main">
+  <p:cSld>
+    <p:spTree>
+      <p:nvGrpSpPr>
+        <p:cNvPr id="1" name=""/>
+        <p:cNvGrpSpPr/>
+        <p:nvPr/>
+      </p:nvGrpSpPr>
+      <p:grpSpPr>
+        <a:xfrm>
+          <a:off x="0" y="0"/>
+          <a:ext cx="0" cy="0"/>
+          <a:chOff x="0" y="0"/>
+          <a:chExt cx="0" cy="0"/>
+        </a:xfrm>
+      </p:grpSpPr>
+      <p:sp>
+        <p:nvSpPr>
+          <p:cNvPr id="2" name="Nadpis 1"/>
+          <p:cNvSpPr>
+            <a:spLocks noGrp="1"/>
+          </p:cNvSpPr>
+          <p:nvPr>
+            <p:ph type="title"/>
+          </p:nvPr>
+        </p:nvSpPr>
+        <p:spPr/>
+        <p:txBody>
+          <a:bodyPr/>
+          <a:lstStyle/>
+          <a:p>
+            <a:r>
+              <a:rPr lang="en-US" dirty="0" err="1" smtClean="0"/>
+              <a:t>Quadterm</a:t>
+            </a:r>
+            <a:r>
+              <a:rPr lang="en-US" dirty="0" smtClean="0"/>
+              <a:t> 2</a:t>
+            </a:r>
+            <a:endParaRPr lang="sk-SK" dirty="0"/>
+          </a:p>
+        </p:txBody>
+      </p:sp>
+      <p:sp>
+        <p:nvSpPr>
+          <p:cNvPr id="3" name="Zástupný symbol obsahu 2"/>
+          <p:cNvSpPr>
+            <a:spLocks noGrp="1"/>
+          </p:cNvSpPr>
+          <p:nvPr>
+            <p:ph idx="1"/>
+          </p:nvPr>
+        </p:nvSpPr>
+        <p:spPr>
+          <a:xfrm>
+            <a:off x="457200" y="1600200"/>
+            <a:ext cx="8229600" cy="5141168"/>
+          </a:xfrm>
+        </p:spPr>
+        <p:txBody>
+          <a:bodyPr>
+            <a:normAutofit fontScale="92500" lnSpcReduction="10000"/>
+          </a:bodyPr>
+          <a:lstStyle/>
+          <a:p>
+            <a:r>
+              <a:rPr lang="en-US" dirty="0" smtClean="0"/>
+              <a:t>17.5. </a:t>
+            </a:r>
+            <a:r>
+              <a:rPr lang="en-US" dirty="0" err="1" smtClean="0"/>
+              <a:t>na</a:t>
+            </a:r>
+            <a:r>
+              <a:rPr lang="en-US" dirty="0" smtClean="0"/>
+              <a:t> </a:t>
+            </a:r>
+            <a:r>
+              <a:rPr lang="en-US" dirty="0" err="1" smtClean="0"/>
+              <a:t>cvi</a:t>
+            </a:r>
+            <a:r>
+              <a:rPr lang="sk-SK" dirty="0" err="1" smtClean="0"/>
+              <a:t>čeniach</a:t>
+            </a:r>
+            <a:r>
+              <a:rPr lang="sk-SK" dirty="0" smtClean="0"/>
+              <a:t>, bez </a:t>
+            </a:r>
+            <a:r>
+              <a:rPr lang="sk-SK" dirty="0" err="1" smtClean="0"/>
+              <a:t>unit-testu</a:t>
+            </a:r>
+            <a:endParaRPr lang="sk-SK" dirty="0" smtClean="0"/>
+          </a:p>
+          <a:p>
+            <a:pPr lvl="1"/>
+            <a:r>
+              <a:rPr lang="sk-SK" dirty="0" smtClean="0"/>
+              <a:t>n</a:t>
+            </a:r>
+            <a:r>
+              <a:rPr lang="sk-SK" dirty="0" smtClean="0"/>
+              <a:t>eskonvertovaní </a:t>
+            </a:r>
+            <a:r>
+              <a:rPr lang="sk-SK" dirty="0" err="1" smtClean="0"/>
+              <a:t>eclipsáci</a:t>
+            </a:r>
+            <a:r>
+              <a:rPr lang="sk-SK" dirty="0" smtClean="0"/>
+              <a:t> H6 si nacvičte inštaláciu e</a:t>
+            </a:r>
+            <a:r>
+              <a:rPr lang="en-US" dirty="0" smtClean="0"/>
+              <a:t>(</a:t>
+            </a:r>
+            <a:r>
+              <a:rPr lang="en-US" dirty="0" err="1" smtClean="0"/>
+              <a:t>fx</a:t>
+            </a:r>
+            <a:r>
+              <a:rPr lang="en-US" dirty="0" smtClean="0"/>
+              <a:t>)</a:t>
+            </a:r>
+            <a:r>
+              <a:rPr lang="en-US" dirty="0" err="1" smtClean="0"/>
+              <a:t>lipse</a:t>
+            </a:r>
+            <a:r>
+              <a:rPr lang="en-US" dirty="0" smtClean="0"/>
+              <a:t> </a:t>
+            </a:r>
+            <a:r>
+              <a:rPr lang="en-US" dirty="0" err="1" smtClean="0"/>
+              <a:t>pluginu</a:t>
+            </a:r>
+            <a:r>
+              <a:rPr lang="en-US" dirty="0" smtClean="0"/>
+              <a:t>, </a:t>
+            </a:r>
+            <a:r>
+              <a:rPr lang="en-US" dirty="0" err="1" smtClean="0"/>
+              <a:t>aby</a:t>
+            </a:r>
+            <a:r>
+              <a:rPr lang="en-US" dirty="0" smtClean="0"/>
+              <a:t> </a:t>
+            </a:r>
+            <a:r>
+              <a:rPr lang="en-US" dirty="0" err="1" smtClean="0"/>
+              <a:t>ste</a:t>
+            </a:r>
+            <a:r>
+              <a:rPr lang="en-US" dirty="0" smtClean="0"/>
+              <a:t> to </a:t>
+            </a:r>
+            <a:r>
+              <a:rPr lang="en-US" dirty="0" err="1" smtClean="0"/>
+              <a:t>zvl</a:t>
+            </a:r>
+            <a:r>
+              <a:rPr lang="sk-SK" dirty="0" err="1" smtClean="0"/>
+              <a:t>ádali</a:t>
+            </a:r>
+            <a:r>
+              <a:rPr lang="sk-SK" dirty="0" smtClean="0"/>
+              <a:t> cez prestávku</a:t>
+            </a:r>
+          </a:p>
+          <a:p>
+            <a:pPr>
+              <a:buNone/>
+            </a:pPr>
+            <a:r>
+              <a:rPr lang="en-US" dirty="0" smtClean="0">
+                <a:sym typeface="Wingdings" pitchFamily="2" charset="2"/>
+              </a:rPr>
+              <a:t>	</a:t>
+            </a:r>
+            <a:r>
+              <a:rPr lang="en-US" dirty="0" smtClean="0">
+                <a:sym typeface="Wingdings" pitchFamily="2" charset="2"/>
+              </a:rPr>
+              <a:t> </a:t>
+            </a:r>
+            <a:r>
+              <a:rPr lang="en-US" dirty="0" smtClean="0">
+                <a:sym typeface="Wingdings" pitchFamily="2" charset="2"/>
+              </a:rPr>
+              <a:t>   </a:t>
+            </a:r>
+          </a:p>
+          <a:p>
+            <a:pPr>
+              <a:buNone/>
+            </a:pPr>
+            <a:endParaRPr lang="sk-SK" dirty="0" smtClean="0"/>
+          </a:p>
+          <a:p>
+            <a:r>
+              <a:rPr lang="en-US" dirty="0" smtClean="0"/>
+              <a:t>j</a:t>
+            </a:r>
+            <a:r>
+              <a:rPr lang="sk-SK" dirty="0" err="1" smtClean="0"/>
+              <a:t>ednoduchá</a:t>
+            </a:r>
+            <a:r>
+              <a:rPr lang="sk-SK" dirty="0" smtClean="0"/>
+              <a:t> simulácia</a:t>
+            </a:r>
+            <a:r>
+              <a:rPr lang="en-US" dirty="0" smtClean="0"/>
+              <a:t>/</a:t>
+            </a:r>
+            <a:r>
+              <a:rPr lang="en-US" dirty="0" err="1" smtClean="0"/>
+              <a:t>hra</a:t>
+            </a:r>
+            <a:r>
+              <a:rPr lang="sk-SK" dirty="0" smtClean="0"/>
+              <a:t> s interakciou od užívateľa </a:t>
+            </a:r>
+            <a:r>
+              <a:rPr lang="en-US" dirty="0" smtClean="0"/>
+              <a:t>(my</a:t>
+            </a:r>
+            <a:r>
+              <a:rPr lang="sk-SK" dirty="0" smtClean="0"/>
+              <a:t>š, klávesnica</a:t>
+            </a:r>
+            <a:r>
+              <a:rPr lang="en-US" dirty="0" smtClean="0"/>
+              <a:t>)</a:t>
+            </a:r>
+          </a:p>
+          <a:p>
+            <a:endParaRPr lang="en-US" dirty="0" smtClean="0"/>
+          </a:p>
+          <a:p>
+            <a:r>
+              <a:rPr lang="sk-SK" dirty="0" smtClean="0"/>
+              <a:t>Čo treba vedieť:</a:t>
+            </a:r>
+          </a:p>
+          <a:p>
+            <a:pPr lvl="1"/>
+            <a:r>
+              <a:rPr lang="sk-SK" dirty="0" smtClean="0"/>
+              <a:t>k</a:t>
+            </a:r>
+            <a:r>
+              <a:rPr lang="sk-SK" dirty="0" smtClean="0"/>
+              <a:t>resliť do Pane/</a:t>
+            </a:r>
+            <a:r>
+              <a:rPr lang="sk-SK" dirty="0" err="1" smtClean="0"/>
+              <a:t>Canvasu</a:t>
+            </a:r>
+            <a:endParaRPr lang="sk-SK" dirty="0" smtClean="0"/>
+          </a:p>
+          <a:p>
+            <a:pPr lvl="1"/>
+            <a:r>
+              <a:rPr lang="sk-SK" dirty="0" smtClean="0"/>
+              <a:t>o</a:t>
+            </a:r>
+            <a:r>
+              <a:rPr lang="sk-SK" dirty="0" smtClean="0"/>
+              <a:t>dchytávať udalosti od myši/</a:t>
+            </a:r>
+            <a:r>
+              <a:rPr lang="sk-SK" dirty="0" err="1" smtClean="0"/>
+              <a:t>klavesnice</a:t>
+            </a:r>
+            <a:endParaRPr lang="sk-SK" dirty="0"/>
+          </a:p>
+        </p:txBody>
+      </p:sp>
+    </p:spTree>
+  </p:cSld>
+  <p:clrMapOvr>
+    <a:masterClrMapping/>
+  </p:clrMapOvr>
+</p:sld>
+</file>
+
+<file path=ppt/slides/slide5.xml><?xml version="1.0" encoding="utf-8"?>
 <p:sld xmlns:a="http://schemas.openxmlformats.org/drawingml/2006/main" xmlns:r="http://schemas.openxmlformats.org/officeDocument/2006/relationships" xmlns:p="http://schemas.openxmlformats.org/presentationml/2006/main">
   <p:cSld>
     <p:spTree>
